--- a/presentation/ACT Analysis (2017-2019).pptx
+++ b/presentation/ACT Analysis (2017-2019).pptx
@@ -2,53 +2,53 @@
 <file path=ppt/presentation.xml><?xml version="1.0" encoding="utf-8"?>
 <p:presentation xmlns:a="http://schemas.openxmlformats.org/drawingml/2006/main" xmlns:r="http://schemas.openxmlformats.org/officeDocument/2006/relationships" xmlns:mc="http://schemas.openxmlformats.org/markup-compatibility/2006" xmlns:mv="urn:schemas-microsoft-com:mac:vml" xmlns:p="http://schemas.openxmlformats.org/presentationml/2006/main" xmlns:c="http://schemas.openxmlformats.org/drawingml/2006/chart" xmlns:dgm="http://schemas.openxmlformats.org/drawingml/2006/diagram" xmlns:o="urn:schemas-microsoft-com:office:office" xmlns:v="urn:schemas-microsoft-com:vml" xmlns:pvml="urn:schemas-microsoft-com:office:powerpoint" xmlns:com="http://schemas.openxmlformats.org/drawingml/2006/compatibility" xmlns:p14="http://schemas.microsoft.com/office/powerpoint/2010/main" xmlns:p15="http://schemas.microsoft.com/office/powerpoint/2012/main" xmlns:ahyp="http://schemas.microsoft.com/office/drawing/2018/hyperlinkcolor" autoCompressPictures="0" embedTrueTypeFonts="1" strictFirstAndLastChars="0" saveSubsetFonts="1">
   <p:sldMasterIdLst>
-    <p:sldMasterId id="2147483659" r:id="rId5"/>
+    <p:sldMasterId id="2147483659" r:id="rId4"/>
   </p:sldMasterIdLst>
   <p:notesMasterIdLst>
-    <p:notesMasterId r:id="rId6"/>
+    <p:notesMasterId r:id="rId5"/>
   </p:notesMasterIdLst>
   <p:sldIdLst>
-    <p:sldId id="256" r:id="rId7"/>
-    <p:sldId id="257" r:id="rId8"/>
-    <p:sldId id="258" r:id="rId9"/>
-    <p:sldId id="259" r:id="rId10"/>
-    <p:sldId id="260" r:id="rId11"/>
-    <p:sldId id="261" r:id="rId12"/>
-    <p:sldId id="262" r:id="rId13"/>
-    <p:sldId id="263" r:id="rId14"/>
-    <p:sldId id="264" r:id="rId15"/>
-    <p:sldId id="265" r:id="rId16"/>
-    <p:sldId id="266" r:id="rId17"/>
+    <p:sldId id="256" r:id="rId6"/>
+    <p:sldId id="257" r:id="rId7"/>
+    <p:sldId id="258" r:id="rId8"/>
+    <p:sldId id="259" r:id="rId9"/>
+    <p:sldId id="260" r:id="rId10"/>
+    <p:sldId id="261" r:id="rId11"/>
+    <p:sldId id="262" r:id="rId12"/>
+    <p:sldId id="263" r:id="rId13"/>
+    <p:sldId id="264" r:id="rId14"/>
+    <p:sldId id="265" r:id="rId15"/>
+    <p:sldId id="266" r:id="rId16"/>
   </p:sldIdLst>
   <p:sldSz cy="5143500" cx="9144000"/>
   <p:notesSz cx="6858000" cy="9144000"/>
   <p:embeddedFontLst>
     <p:embeddedFont>
       <p:font typeface="Comfortaa SemiBold"/>
-      <p:regular r:id="rId18"/>
-      <p:bold r:id="rId19"/>
+      <p:regular r:id="rId17"/>
+      <p:bold r:id="rId18"/>
     </p:embeddedFont>
     <p:embeddedFont>
       <p:font typeface="Nunito"/>
-      <p:regular r:id="rId20"/>
-      <p:bold r:id="rId21"/>
-      <p:italic r:id="rId22"/>
-      <p:boldItalic r:id="rId23"/>
+      <p:regular r:id="rId19"/>
+      <p:bold r:id="rId20"/>
+      <p:italic r:id="rId21"/>
+      <p:boldItalic r:id="rId22"/>
     </p:embeddedFont>
     <p:embeddedFont>
       <p:font typeface="Maven Pro"/>
-      <p:regular r:id="rId24"/>
-      <p:bold r:id="rId25"/>
+      <p:regular r:id="rId23"/>
+      <p:bold r:id="rId24"/>
     </p:embeddedFont>
     <p:embeddedFont>
       <p:font typeface="Comfortaa Medium"/>
-      <p:regular r:id="rId26"/>
-      <p:bold r:id="rId27"/>
+      <p:regular r:id="rId25"/>
+      <p:bold r:id="rId26"/>
     </p:embeddedFont>
     <p:embeddedFont>
       <p:font typeface="Comfortaa"/>
-      <p:regular r:id="rId28"/>
-      <p:bold r:id="rId29"/>
+      <p:regular r:id="rId27"/>
+      <p:bold r:id="rId28"/>
     </p:embeddedFont>
   </p:embeddedFontLst>
   <p:defaultTextStyle>
@@ -297,35 +297,6 @@
     </p:ext>
   </p:extLst>
 </p:presentation>
-</file>
-
-<file path=ppt/commentAuthors.xml><?xml version="1.0" encoding="utf-8"?>
-<p:cmAuthorLst xmlns:a="http://schemas.openxmlformats.org/drawingml/2006/main" xmlns:r="http://schemas.openxmlformats.org/officeDocument/2006/relationships" xmlns:mc="http://schemas.openxmlformats.org/markup-compatibility/2006" xmlns:mv="urn:schemas-microsoft-com:mac:vml" xmlns:p="http://schemas.openxmlformats.org/presentationml/2006/main" xmlns:c="http://schemas.openxmlformats.org/drawingml/2006/chart" xmlns:dgm="http://schemas.openxmlformats.org/drawingml/2006/diagram" xmlns:o="urn:schemas-microsoft-com:office:office" xmlns:v="urn:schemas-microsoft-com:vml" xmlns:pvml="urn:schemas-microsoft-com:office:powerpoint" xmlns:com="http://schemas.openxmlformats.org/drawingml/2006/compatibility" xmlns:p14="http://schemas.microsoft.com/office/powerpoint/2010/main" xmlns:p15="http://schemas.microsoft.com/office/powerpoint/2012/main" xmlns:ahyp="http://schemas.microsoft.com/office/drawing/2018/hyperlinkcolor">
-  <p:cmAuthor clrIdx="0" id="0" initials="" lastIdx="3" name="James Larkin"/>
-</p:cmAuthorLst>
-</file>
-
-<file path=ppt/comments/comment1.xml><?xml version="1.0" encoding="utf-8"?>
-<p:cmLst xmlns:a="http://schemas.openxmlformats.org/drawingml/2006/main" xmlns:r="http://schemas.openxmlformats.org/officeDocument/2006/relationships" xmlns:mc="http://schemas.openxmlformats.org/markup-compatibility/2006" xmlns:mv="urn:schemas-microsoft-com:mac:vml" xmlns:p="http://schemas.openxmlformats.org/presentationml/2006/main" xmlns:c="http://schemas.openxmlformats.org/drawingml/2006/chart" xmlns:dgm="http://schemas.openxmlformats.org/drawingml/2006/diagram" xmlns:o="urn:schemas-microsoft-com:office:office" xmlns:v="urn:schemas-microsoft-com:vml" xmlns:pvml="urn:schemas-microsoft-com:office:powerpoint" xmlns:com="http://schemas.openxmlformats.org/drawingml/2006/compatibility" xmlns:p14="http://schemas.microsoft.com/office/powerpoint/2010/main" xmlns:p15="http://schemas.microsoft.com/office/powerpoint/2012/main" xmlns:ahyp="http://schemas.microsoft.com/office/drawing/2018/hyperlinkcolor">
-  <p:cm authorId="0" idx="1" dt="2024-10-10T15:46:22.143">
-    <p:pos x="632" y="892"/>
-    <p:text>This is a most interesting addition to the slide deck. Nice.</p:text>
-  </p:cm>
-  <p:cm authorId="0" idx="2" dt="2024-10-10T15:46:22.143">
-    <p:pos x="632" y="892"/>
-    <p:text>Mulling over 
-"What is the current state of the ACT test in the U.S.?"</p:text>
-  </p:cm>
-</p:cmLst>
-</file>
-
-<file path=ppt/comments/comment2.xml><?xml version="1.0" encoding="utf-8"?>
-<p:cmLst xmlns:a="http://schemas.openxmlformats.org/drawingml/2006/main" xmlns:r="http://schemas.openxmlformats.org/officeDocument/2006/relationships" xmlns:mc="http://schemas.openxmlformats.org/markup-compatibility/2006" xmlns:mv="urn:schemas-microsoft-com:mac:vml" xmlns:p="http://schemas.openxmlformats.org/presentationml/2006/main" xmlns:c="http://schemas.openxmlformats.org/drawingml/2006/chart" xmlns:dgm="http://schemas.openxmlformats.org/drawingml/2006/diagram" xmlns:o="urn:schemas-microsoft-com:office:office" xmlns:v="urn:schemas-microsoft-com:vml" xmlns:pvml="urn:schemas-microsoft-com:office:powerpoint" xmlns:com="http://schemas.openxmlformats.org/drawingml/2006/compatibility" xmlns:p14="http://schemas.microsoft.com/office/powerpoint/2010/main" xmlns:p15="http://schemas.microsoft.com/office/powerpoint/2012/main" xmlns:ahyp="http://schemas.microsoft.com/office/drawing/2018/hyperlinkcolor">
-  <p:cm authorId="0" idx="3" dt="2024-10-10T15:23:35.088">
-    <p:pos x="6000" y="0"/>
-    <p:text>One challenge with this slide is the narrow range on the y-axes makes the negative change look more dramatic than it is. The y-axis can be a sensitive thing.</p:text>
-  </p:cm>
-</p:cmLst>
 </file>
 
 <file path=ppt/notesMasters/notesMaster1.xml><?xml version="1.0" encoding="utf-8"?>
@@ -1310,12 +1281,53 @@
               <a:buNone/>
             </a:pPr>
             <a:r>
-              <a:rPr lang="en-CA"/>
-              <a:t>If you just interpret of the </a:t>
+              <a:t/>
             </a:r>
+            <a:endParaRPr/>
+          </a:p>
+          <a:p>
+            <a:pPr indent="0" lvl="0" marL="0" rtl="0" algn="l">
+              <a:spcBef>
+                <a:spcPts val="0"/>
+              </a:spcBef>
+              <a:spcAft>
+                <a:spcPts val="0"/>
+              </a:spcAft>
+              <a:buNone/>
+            </a:pPr>
             <a:r>
               <a:rPr lang="en-CA"/>
-              <a:t>graph represent you will digest in the different way and it become concern in future … to improve</a:t>
+              <a:t>The graphs aim to highlight trends in both metrics, and it’s important to interpret the data accurately. Further analysis is needed to understand the factors contributing to these changes and how significant they are in practical terms.</a:t>
+            </a:r>
+            <a:endParaRPr/>
+          </a:p>
+          <a:p>
+            <a:pPr indent="0" lvl="0" marL="0" rtl="0" algn="l">
+              <a:spcBef>
+                <a:spcPts val="0"/>
+              </a:spcBef>
+              <a:spcAft>
+                <a:spcPts val="0"/>
+              </a:spcAft>
+              <a:buNone/>
+            </a:pPr>
+            <a:r>
+              <a:t/>
+            </a:r>
+            <a:endParaRPr/>
+          </a:p>
+          <a:p>
+            <a:pPr indent="0" lvl="0" marL="0" rtl="0" algn="l">
+              <a:spcBef>
+                <a:spcPts val="0"/>
+              </a:spcBef>
+              <a:spcAft>
+                <a:spcPts val="0"/>
+              </a:spcAft>
+              <a:buNone/>
+            </a:pPr>
+            <a:r>
+              <a:t/>
             </a:r>
             <a:endParaRPr/>
           </a:p>
@@ -1649,7 +1661,8 @@
               <a:buNone/>
             </a:pPr>
             <a:r>
-              <a:t/>
+              <a:rPr lang="en-CA"/>
+              <a:t>Do you see the trend by region</a:t>
             </a:r>
             <a:endParaRPr/>
           </a:p>
@@ -16858,99 +16871,34 @@
           <a:chExt cx="0" cy="0"/>
         </a:xfrm>
       </p:grpSpPr>
-      <p:sp>
-        <p:nvSpPr>
+      <p:pic>
+        <p:nvPicPr>
           <p:cNvPr id="338" name="Google Shape;338;p23"/>
-          <p:cNvSpPr txBox="1"/>
-          <p:nvPr>
-            <p:ph type="title"/>
-          </p:nvPr>
-        </p:nvSpPr>
+          <p:cNvPicPr preferRelativeResize="0"/>
+          <p:nvPr/>
+        </p:nvPicPr>
+        <p:blipFill>
+          <a:blip r:embed="rId3">
+            <a:alphaModFix/>
+          </a:blip>
+          <a:stretch>
+            <a:fillRect/>
+          </a:stretch>
+        </p:blipFill>
         <p:spPr>
           <a:xfrm>
-            <a:off x="1147550" y="744075"/>
-            <a:ext cx="7115400" cy="673500"/>
+            <a:off x="1141601" y="800899"/>
+            <a:ext cx="7588176" cy="4037624"/>
           </a:xfrm>
           <a:prstGeom prst="rect">
             <a:avLst/>
           </a:prstGeom>
+          <a:noFill/>
+          <a:ln>
+            <a:noFill/>
+          </a:ln>
         </p:spPr>
-        <p:txBody>
-          <a:bodyPr anchorCtr="0" anchor="t" bIns="91425" lIns="91425" spcFirstLastPara="1" rIns="91425" wrap="square" tIns="91425">
-            <a:normAutofit/>
-          </a:bodyPr>
-          <a:lstStyle/>
-          <a:p>
-            <a:pPr indent="0" lvl="0" marL="0" rtl="0" algn="l">
-              <a:spcBef>
-                <a:spcPts val="0"/>
-              </a:spcBef>
-              <a:spcAft>
-                <a:spcPts val="0"/>
-              </a:spcAft>
-              <a:buNone/>
-            </a:pPr>
-            <a:r>
-              <a:rPr lang="en-CA" sz="2220">
-                <a:latin typeface="Comfortaa"/>
-                <a:ea typeface="Comfortaa"/>
-                <a:cs typeface="Comfortaa"/>
-                <a:sym typeface="Comfortaa"/>
-              </a:rPr>
-              <a:t>R</a:t>
-            </a:r>
-            <a:r>
-              <a:rPr lang="en-CA" sz="2220">
-                <a:latin typeface="Comfortaa"/>
-                <a:ea typeface="Comfortaa"/>
-                <a:cs typeface="Comfortaa"/>
-                <a:sym typeface="Comfortaa"/>
-              </a:rPr>
-              <a:t>hode Island</a:t>
-            </a:r>
-            <a:endParaRPr/>
-          </a:p>
-        </p:txBody>
-      </p:sp>
-      <p:sp>
-        <p:nvSpPr>
-          <p:cNvPr id="339" name="Google Shape;339;p23"/>
-          <p:cNvSpPr txBox="1"/>
-          <p:nvPr>
-            <p:ph idx="1" type="body"/>
-          </p:nvPr>
-        </p:nvSpPr>
-        <p:spPr>
-          <a:xfrm>
-            <a:off x="1303800" y="1990050"/>
-            <a:ext cx="7030500" cy="2541600"/>
-          </a:xfrm>
-          <a:prstGeom prst="rect">
-            <a:avLst/>
-          </a:prstGeom>
-        </p:spPr>
-        <p:txBody>
-          <a:bodyPr anchorCtr="0" anchor="t" bIns="91425" lIns="91425" spcFirstLastPara="1" rIns="91425" wrap="square" tIns="91425">
-            <a:normAutofit/>
-          </a:bodyPr>
-          <a:lstStyle/>
-          <a:p>
-            <a:pPr indent="0" lvl="0" marL="0" rtl="0" algn="l">
-              <a:spcBef>
-                <a:spcPts val="0"/>
-              </a:spcBef>
-              <a:spcAft>
-                <a:spcPts val="1200"/>
-              </a:spcAft>
-              <a:buNone/>
-            </a:pPr>
-            <a:r>
-              <a:t/>
-            </a:r>
-            <a:endParaRPr/>
-          </a:p>
-        </p:txBody>
-      </p:sp>
+      </p:pic>
     </p:spTree>
   </p:cSld>
   <p:clrMapOvr>
@@ -16995,7 +16943,7 @@
         </p:spPr>
         <p:txBody>
           <a:bodyPr anchorCtr="0" anchor="t" bIns="91425" lIns="91425" spcFirstLastPara="1" rIns="91425" wrap="square" tIns="91425">
-            <a:normAutofit fontScale="90000"/>
+            <a:normAutofit/>
           </a:bodyPr>
           <a:lstStyle/>
           <a:p>
@@ -17012,7 +16960,7 @@
               <a:buClr>
                 <a:schemeClr val="dk1"/>
               </a:buClr>
-              <a:buSzPct val="50000"/>
+              <a:buSzPts val="1100"/>
               <a:buFont typeface="Arial"/>
               <a:buNone/>
             </a:pPr>
@@ -17023,7 +16971,7 @@
                 <a:cs typeface="Comfortaa"/>
                 <a:sym typeface="Comfortaa"/>
               </a:rPr>
-              <a:t>"What is the current state of the ACT test in the U.S.?"</a:t>
+              <a:t>"ACT test situation in the US? "</a:t>
             </a:r>
             <a:endParaRPr b="1" sz="2200">
               <a:latin typeface="Comfortaa"/>
@@ -17104,13 +17052,22 @@
               <a:t>First Question: </a:t>
             </a:r>
             <a:r>
+              <a:rPr lang="en-CA" sz="1500">
+                <a:latin typeface="Comfortaa"/>
+                <a:ea typeface="Comfortaa"/>
+                <a:cs typeface="Comfortaa"/>
+                <a:sym typeface="Comfortaa"/>
+              </a:rPr>
+              <a:t>What is the current state of the ACT test in the U.S? </a:t>
+            </a:r>
+            <a:r>
               <a:rPr lang="en-CA" sz="1505">
                 <a:latin typeface="Comfortaa"/>
                 <a:ea typeface="Comfortaa"/>
                 <a:cs typeface="Comfortaa"/>
                 <a:sym typeface="Comfortaa"/>
               </a:rPr>
-              <a:t>How is the ACT test situation in the US? The likelihood of taking it, overall, reflects the quality of the score.</a:t>
+              <a:t>The likelihood of taking it, overall, reflects the quality of the score.</a:t>
             </a:r>
             <a:endParaRPr sz="1505">
               <a:latin typeface="Comfortaa"/>
@@ -17356,7 +17313,7 @@
           <p:nvPr/>
         </p:nvPicPr>
         <p:blipFill>
-          <a:blip r:embed="rId4">
+          <a:blip r:embed="rId3">
             <a:alphaModFix/>
           </a:blip>
           <a:stretch>
@@ -17384,7 +17341,7 @@
           <p:nvPr/>
         </p:nvPicPr>
         <p:blipFill>
-          <a:blip r:embed="rId5">
+          <a:blip r:embed="rId4">
             <a:alphaModFix/>
           </a:blip>
           <a:stretch>
@@ -18674,6 +18631,285 @@
 </file>
 
 <file path=ppt/theme/theme1.xml><?xml version="1.0" encoding="utf-8"?>
+<a:theme xmlns:a="http://schemas.openxmlformats.org/drawingml/2006/main" xmlns:r="http://schemas.openxmlformats.org/officeDocument/2006/relationships">
+  <a:themeElements>
+    <a:clrScheme name="Default">
+      <a:dk1>
+        <a:srgbClr val="000000"/>
+      </a:dk1>
+      <a:lt1>
+        <a:srgbClr val="FFFFFF"/>
+      </a:lt1>
+      <a:dk2>
+        <a:srgbClr val="158158"/>
+      </a:dk2>
+      <a:lt2>
+        <a:srgbClr val="F3F3F3"/>
+      </a:lt2>
+      <a:accent1>
+        <a:srgbClr val="058DC7"/>
+      </a:accent1>
+      <a:accent2>
+        <a:srgbClr val="50B432"/>
+      </a:accent2>
+      <a:accent3>
+        <a:srgbClr val="ED561B"/>
+      </a:accent3>
+      <a:accent4>
+        <a:srgbClr val="EDEF00"/>
+      </a:accent4>
+      <a:accent5>
+        <a:srgbClr val="24CBE5"/>
+      </a:accent5>
+      <a:accent6>
+        <a:srgbClr val="64E572"/>
+      </a:accent6>
+      <a:hlink>
+        <a:srgbClr val="2200CC"/>
+      </a:hlink>
+      <a:folHlink>
+        <a:srgbClr val="551A8B"/>
+      </a:folHlink>
+    </a:clrScheme>
+    <a:fontScheme name="Office">
+      <a:majorFont>
+        <a:latin typeface="Arial"/>
+        <a:ea typeface=""/>
+        <a:cs typeface=""/>
+        <a:font script="Jpan" typeface="ＭＳ Ｐゴシック"/>
+        <a:font script="Hang" typeface="맑은 고딕"/>
+        <a:font script="Hans" typeface="宋体"/>
+        <a:font script="Hant" typeface="新細明體"/>
+        <a:font script="Arab" typeface="Times New Roman"/>
+        <a:font script="Hebr" typeface="Times New Roman"/>
+        <a:font script="Thai" typeface="Angsana New"/>
+        <a:font script="Ethi" typeface="Nyala"/>
+        <a:font script="Beng" typeface="Vrinda"/>
+        <a:font script="Gujr" typeface="Shruti"/>
+        <a:font script="Khmr" typeface="MoolBoran"/>
+        <a:font script="Knda" typeface="Tunga"/>
+        <a:font script="Guru" typeface="Raavi"/>
+        <a:font script="Cans" typeface="Euphemia"/>
+        <a:font script="Cher" typeface="Plantagenet Cherokee"/>
+        <a:font script="Yiii" typeface="Microsoft Yi Baiti"/>
+        <a:font script="Tibt" typeface="Microsoft Himalaya"/>
+        <a:font script="Thaa" typeface="MV Boli"/>
+        <a:font script="Deva" typeface="Mangal"/>
+        <a:font script="Telu" typeface="Gautami"/>
+        <a:font script="Taml" typeface="Latha"/>
+        <a:font script="Syrc" typeface="Estrangelo Edessa"/>
+        <a:font script="Orya" typeface="Kalinga"/>
+        <a:font script="Mlym" typeface="Kartika"/>
+        <a:font script="Laoo" typeface="DokChampa"/>
+        <a:font script="Sinh" typeface="Iskoola Pota"/>
+        <a:font script="Mong" typeface="Mongolian Baiti"/>
+        <a:font script="Viet" typeface="Times New Roman"/>
+        <a:font script="Uigh" typeface="Microsoft Uighur"/>
+        <a:font script="Geor" typeface="Sylfaen"/>
+      </a:majorFont>
+      <a:minorFont>
+        <a:latin typeface="Arial"/>
+        <a:ea typeface=""/>
+        <a:cs typeface=""/>
+        <a:font script="Jpan" typeface="ＭＳ Ｐゴシック"/>
+        <a:font script="Hang" typeface="맑은 고딕"/>
+        <a:font script="Hans" typeface="宋体"/>
+        <a:font script="Hant" typeface="新細明體"/>
+        <a:font script="Arab" typeface="Arial"/>
+        <a:font script="Hebr" typeface="Arial"/>
+        <a:font script="Thai" typeface="Cordia New"/>
+        <a:font script="Ethi" typeface="Nyala"/>
+        <a:font script="Beng" typeface="Vrinda"/>
+        <a:font script="Gujr" typeface="Shruti"/>
+        <a:font script="Khmr" typeface="DaunPenh"/>
+        <a:font script="Knda" typeface="Tunga"/>
+        <a:font script="Guru" typeface="Raavi"/>
+        <a:font script="Cans" typeface="Euphemia"/>
+        <a:font script="Cher" typeface="Plantagenet Cherokee"/>
+        <a:font script="Yiii" typeface="Microsoft Yi Baiti"/>
+        <a:font script="Tibt" typeface="Microsoft Himalaya"/>
+        <a:font script="Thaa" typeface="MV Boli"/>
+        <a:font script="Deva" typeface="Mangal"/>
+        <a:font script="Telu" typeface="Gautami"/>
+        <a:font script="Taml" typeface="Latha"/>
+        <a:font script="Syrc" typeface="Estrangelo Edessa"/>
+        <a:font script="Orya" typeface="Kalinga"/>
+        <a:font script="Mlym" typeface="Kartika"/>
+        <a:font script="Laoo" typeface="DokChampa"/>
+        <a:font script="Sinh" typeface="Iskoola Pota"/>
+        <a:font script="Mong" typeface="Mongolian Baiti"/>
+        <a:font script="Viet" typeface="Arial"/>
+        <a:font script="Uigh" typeface="Microsoft Uighur"/>
+        <a:font script="Geor" typeface="Sylfaen"/>
+      </a:minorFont>
+    </a:fontScheme>
+    <a:fmtScheme name="Office">
+      <a:fillStyleLst>
+        <a:solidFill>
+          <a:schemeClr val="phClr"/>
+        </a:solidFill>
+        <a:gradFill rotWithShape="1">
+          <a:gsLst>
+            <a:gs pos="0">
+              <a:schemeClr val="phClr">
+                <a:tint val="50000"/>
+                <a:satMod val="300000"/>
+              </a:schemeClr>
+            </a:gs>
+            <a:gs pos="35000">
+              <a:schemeClr val="phClr">
+                <a:tint val="37000"/>
+                <a:satMod val="300000"/>
+              </a:schemeClr>
+            </a:gs>
+            <a:gs pos="100000">
+              <a:schemeClr val="phClr">
+                <a:tint val="15000"/>
+                <a:satMod val="350000"/>
+              </a:schemeClr>
+            </a:gs>
+          </a:gsLst>
+          <a:lin ang="16200000" scaled="1"/>
+        </a:gradFill>
+        <a:gradFill rotWithShape="1">
+          <a:gsLst>
+            <a:gs pos="0">
+              <a:schemeClr val="phClr">
+                <a:tint val="100000"/>
+                <a:shade val="100000"/>
+                <a:satMod val="130000"/>
+              </a:schemeClr>
+            </a:gs>
+            <a:gs pos="100000">
+              <a:schemeClr val="phClr">
+                <a:tint val="50000"/>
+                <a:shade val="100000"/>
+                <a:satMod val="350000"/>
+              </a:schemeClr>
+            </a:gs>
+          </a:gsLst>
+          <a:lin ang="16200000" scaled="0"/>
+        </a:gradFill>
+      </a:fillStyleLst>
+      <a:lnStyleLst>
+        <a:ln w="9525" cap="flat" cmpd="sng" algn="ctr">
+          <a:solidFill>
+            <a:schemeClr val="phClr">
+              <a:shade val="95000"/>
+              <a:satMod val="105000"/>
+            </a:schemeClr>
+          </a:solidFill>
+          <a:prstDash val="solid"/>
+        </a:ln>
+        <a:ln w="25400" cap="flat" cmpd="sng" algn="ctr">
+          <a:solidFill>
+            <a:schemeClr val="phClr"/>
+          </a:solidFill>
+          <a:prstDash val="solid"/>
+        </a:ln>
+        <a:ln w="38100" cap="flat" cmpd="sng" algn="ctr">
+          <a:solidFill>
+            <a:schemeClr val="phClr"/>
+          </a:solidFill>
+          <a:prstDash val="solid"/>
+        </a:ln>
+      </a:lnStyleLst>
+      <a:effectStyleLst>
+        <a:effectStyle>
+          <a:effectLst>
+            <a:outerShdw blurRad="40000" dist="20000" dir="5400000" rotWithShape="0">
+              <a:srgbClr val="000000">
+                <a:alpha val="38000"/>
+              </a:srgbClr>
+            </a:outerShdw>
+          </a:effectLst>
+        </a:effectStyle>
+        <a:effectStyle>
+          <a:effectLst>
+            <a:outerShdw blurRad="40000" dist="23000" dir="5400000" rotWithShape="0">
+              <a:srgbClr val="000000">
+                <a:alpha val="35000"/>
+              </a:srgbClr>
+            </a:outerShdw>
+          </a:effectLst>
+        </a:effectStyle>
+        <a:effectStyle>
+          <a:effectLst>
+            <a:outerShdw blurRad="40000" dist="23000" dir="5400000" rotWithShape="0">
+              <a:srgbClr val="000000">
+                <a:alpha val="35000"/>
+              </a:srgbClr>
+            </a:outerShdw>
+          </a:effectLst>
+          <a:scene3d>
+            <a:camera prst="orthographicFront">
+              <a:rot lat="0" lon="0" rev="0"/>
+            </a:camera>
+            <a:lightRig rig="threePt" dir="t">
+              <a:rot lat="0" lon="0" rev="1200000"/>
+            </a:lightRig>
+          </a:scene3d>
+          <a:sp3d>
+            <a:bevelT w="63500" h="25400"/>
+          </a:sp3d>
+        </a:effectStyle>
+      </a:effectStyleLst>
+      <a:bgFillStyleLst>
+        <a:solidFill>
+          <a:schemeClr val="phClr"/>
+        </a:solidFill>
+        <a:gradFill rotWithShape="1">
+          <a:gsLst>
+            <a:gs pos="0">
+              <a:schemeClr val="phClr">
+                <a:tint val="40000"/>
+                <a:satMod val="350000"/>
+              </a:schemeClr>
+            </a:gs>
+            <a:gs pos="40000">
+              <a:schemeClr val="phClr">
+                <a:tint val="45000"/>
+                <a:shade val="99000"/>
+                <a:satMod val="350000"/>
+              </a:schemeClr>
+            </a:gs>
+            <a:gs pos="100000">
+              <a:schemeClr val="phClr">
+                <a:shade val="20000"/>
+                <a:satMod val="255000"/>
+              </a:schemeClr>
+            </a:gs>
+          </a:gsLst>
+          <a:path path="circle">
+            <a:fillToRect l="50000" t="-80000" r="50000" b="180000"/>
+          </a:path>
+        </a:gradFill>
+        <a:gradFill rotWithShape="1">
+          <a:gsLst>
+            <a:gs pos="0">
+              <a:schemeClr val="phClr">
+                <a:tint val="80000"/>
+                <a:satMod val="300000"/>
+              </a:schemeClr>
+            </a:gs>
+            <a:gs pos="100000">
+              <a:schemeClr val="phClr">
+                <a:shade val="30000"/>
+                <a:satMod val="200000"/>
+              </a:schemeClr>
+            </a:gs>
+          </a:gsLst>
+          <a:path path="circle">
+            <a:fillToRect l="50000" t="50000" r="50000" b="50000"/>
+          </a:path>
+        </a:gradFill>
+      </a:bgFillStyleLst>
+    </a:fmtScheme>
+  </a:themeElements>
+</a:theme>
+</file>
+
+<file path=ppt/theme/theme2.xml><?xml version="1.0" encoding="utf-8"?>
 <a:theme xmlns:a="http://schemas.openxmlformats.org/drawingml/2006/main" xmlns:r="http://schemas.openxmlformats.org/officeDocument/2006/relationships" name="Momentum">
   <a:themeElements>
     <a:clrScheme name="Momentum">
@@ -18950,283 +19186,4 @@
     </a:fmtScheme>
   </a:themeElements>
 </a:theme>
-</file>
-
-<file path=ppt/theme/theme2.xml><?xml version="1.0" encoding="utf-8"?>
-<a:theme xmlns:a="http://schemas.openxmlformats.org/drawingml/2006/main" xmlns:r="http://schemas.openxmlformats.org/officeDocument/2006/relationships">
-  <a:themeElements>
-    <a:clrScheme name="Default">
-      <a:dk1>
-        <a:srgbClr val="000000"/>
-      </a:dk1>
-      <a:lt1>
-        <a:srgbClr val="FFFFFF"/>
-      </a:lt1>
-      <a:dk2>
-        <a:srgbClr val="158158"/>
-      </a:dk2>
-      <a:lt2>
-        <a:srgbClr val="F3F3F3"/>
-      </a:lt2>
-      <a:accent1>
-        <a:srgbClr val="058DC7"/>
-      </a:accent1>
-      <a:accent2>
-        <a:srgbClr val="50B432"/>
-      </a:accent2>
-      <a:accent3>
-        <a:srgbClr val="ED561B"/>
-      </a:accent3>
-      <a:accent4>
-        <a:srgbClr val="EDEF00"/>
-      </a:accent4>
-      <a:accent5>
-        <a:srgbClr val="24CBE5"/>
-      </a:accent5>
-      <a:accent6>
-        <a:srgbClr val="64E572"/>
-      </a:accent6>
-      <a:hlink>
-        <a:srgbClr val="2200CC"/>
-      </a:hlink>
-      <a:folHlink>
-        <a:srgbClr val="551A8B"/>
-      </a:folHlink>
-    </a:clrScheme>
-    <a:fontScheme name="Office">
-      <a:majorFont>
-        <a:latin typeface="Arial"/>
-        <a:ea typeface=""/>
-        <a:cs typeface=""/>
-        <a:font script="Jpan" typeface="ＭＳ Ｐゴシック"/>
-        <a:font script="Hang" typeface="맑은 고딕"/>
-        <a:font script="Hans" typeface="宋体"/>
-        <a:font script="Hant" typeface="新細明體"/>
-        <a:font script="Arab" typeface="Times New Roman"/>
-        <a:font script="Hebr" typeface="Times New Roman"/>
-        <a:font script="Thai" typeface="Angsana New"/>
-        <a:font script="Ethi" typeface="Nyala"/>
-        <a:font script="Beng" typeface="Vrinda"/>
-        <a:font script="Gujr" typeface="Shruti"/>
-        <a:font script="Khmr" typeface="MoolBoran"/>
-        <a:font script="Knda" typeface="Tunga"/>
-        <a:font script="Guru" typeface="Raavi"/>
-        <a:font script="Cans" typeface="Euphemia"/>
-        <a:font script="Cher" typeface="Plantagenet Cherokee"/>
-        <a:font script="Yiii" typeface="Microsoft Yi Baiti"/>
-        <a:font script="Tibt" typeface="Microsoft Himalaya"/>
-        <a:font script="Thaa" typeface="MV Boli"/>
-        <a:font script="Deva" typeface="Mangal"/>
-        <a:font script="Telu" typeface="Gautami"/>
-        <a:font script="Taml" typeface="Latha"/>
-        <a:font script="Syrc" typeface="Estrangelo Edessa"/>
-        <a:font script="Orya" typeface="Kalinga"/>
-        <a:font script="Mlym" typeface="Kartika"/>
-        <a:font script="Laoo" typeface="DokChampa"/>
-        <a:font script="Sinh" typeface="Iskoola Pota"/>
-        <a:font script="Mong" typeface="Mongolian Baiti"/>
-        <a:font script="Viet" typeface="Times New Roman"/>
-        <a:font script="Uigh" typeface="Microsoft Uighur"/>
-        <a:font script="Geor" typeface="Sylfaen"/>
-      </a:majorFont>
-      <a:minorFont>
-        <a:latin typeface="Arial"/>
-        <a:ea typeface=""/>
-        <a:cs typeface=""/>
-        <a:font script="Jpan" typeface="ＭＳ Ｐゴシック"/>
-        <a:font script="Hang" typeface="맑은 고딕"/>
-        <a:font script="Hans" typeface="宋体"/>
-        <a:font script="Hant" typeface="新細明體"/>
-        <a:font script="Arab" typeface="Arial"/>
-        <a:font script="Hebr" typeface="Arial"/>
-        <a:font script="Thai" typeface="Cordia New"/>
-        <a:font script="Ethi" typeface="Nyala"/>
-        <a:font script="Beng" typeface="Vrinda"/>
-        <a:font script="Gujr" typeface="Shruti"/>
-        <a:font script="Khmr" typeface="DaunPenh"/>
-        <a:font script="Knda" typeface="Tunga"/>
-        <a:font script="Guru" typeface="Raavi"/>
-        <a:font script="Cans" typeface="Euphemia"/>
-        <a:font script="Cher" typeface="Plantagenet Cherokee"/>
-        <a:font script="Yiii" typeface="Microsoft Yi Baiti"/>
-        <a:font script="Tibt" typeface="Microsoft Himalaya"/>
-        <a:font script="Thaa" typeface="MV Boli"/>
-        <a:font script="Deva" typeface="Mangal"/>
-        <a:font script="Telu" typeface="Gautami"/>
-        <a:font script="Taml" typeface="Latha"/>
-        <a:font script="Syrc" typeface="Estrangelo Edessa"/>
-        <a:font script="Orya" typeface="Kalinga"/>
-        <a:font script="Mlym" typeface="Kartika"/>
-        <a:font script="Laoo" typeface="DokChampa"/>
-        <a:font script="Sinh" typeface="Iskoola Pota"/>
-        <a:font script="Mong" typeface="Mongolian Baiti"/>
-        <a:font script="Viet" typeface="Arial"/>
-        <a:font script="Uigh" typeface="Microsoft Uighur"/>
-        <a:font script="Geor" typeface="Sylfaen"/>
-      </a:minorFont>
-    </a:fontScheme>
-    <a:fmtScheme name="Office">
-      <a:fillStyleLst>
-        <a:solidFill>
-          <a:schemeClr val="phClr"/>
-        </a:solidFill>
-        <a:gradFill rotWithShape="1">
-          <a:gsLst>
-            <a:gs pos="0">
-              <a:schemeClr val="phClr">
-                <a:tint val="50000"/>
-                <a:satMod val="300000"/>
-              </a:schemeClr>
-            </a:gs>
-            <a:gs pos="35000">
-              <a:schemeClr val="phClr">
-                <a:tint val="37000"/>
-                <a:satMod val="300000"/>
-              </a:schemeClr>
-            </a:gs>
-            <a:gs pos="100000">
-              <a:schemeClr val="phClr">
-                <a:tint val="15000"/>
-                <a:satMod val="350000"/>
-              </a:schemeClr>
-            </a:gs>
-          </a:gsLst>
-          <a:lin ang="16200000" scaled="1"/>
-        </a:gradFill>
-        <a:gradFill rotWithShape="1">
-          <a:gsLst>
-            <a:gs pos="0">
-              <a:schemeClr val="phClr">
-                <a:tint val="100000"/>
-                <a:shade val="100000"/>
-                <a:satMod val="130000"/>
-              </a:schemeClr>
-            </a:gs>
-            <a:gs pos="100000">
-              <a:schemeClr val="phClr">
-                <a:tint val="50000"/>
-                <a:shade val="100000"/>
-                <a:satMod val="350000"/>
-              </a:schemeClr>
-            </a:gs>
-          </a:gsLst>
-          <a:lin ang="16200000" scaled="0"/>
-        </a:gradFill>
-      </a:fillStyleLst>
-      <a:lnStyleLst>
-        <a:ln w="9525" cap="flat" cmpd="sng" algn="ctr">
-          <a:solidFill>
-            <a:schemeClr val="phClr">
-              <a:shade val="95000"/>
-              <a:satMod val="105000"/>
-            </a:schemeClr>
-          </a:solidFill>
-          <a:prstDash val="solid"/>
-        </a:ln>
-        <a:ln w="25400" cap="flat" cmpd="sng" algn="ctr">
-          <a:solidFill>
-            <a:schemeClr val="phClr"/>
-          </a:solidFill>
-          <a:prstDash val="solid"/>
-        </a:ln>
-        <a:ln w="38100" cap="flat" cmpd="sng" algn="ctr">
-          <a:solidFill>
-            <a:schemeClr val="phClr"/>
-          </a:solidFill>
-          <a:prstDash val="solid"/>
-        </a:ln>
-      </a:lnStyleLst>
-      <a:effectStyleLst>
-        <a:effectStyle>
-          <a:effectLst>
-            <a:outerShdw blurRad="40000" dist="20000" dir="5400000" rotWithShape="0">
-              <a:srgbClr val="000000">
-                <a:alpha val="38000"/>
-              </a:srgbClr>
-            </a:outerShdw>
-          </a:effectLst>
-        </a:effectStyle>
-        <a:effectStyle>
-          <a:effectLst>
-            <a:outerShdw blurRad="40000" dist="23000" dir="5400000" rotWithShape="0">
-              <a:srgbClr val="000000">
-                <a:alpha val="35000"/>
-              </a:srgbClr>
-            </a:outerShdw>
-          </a:effectLst>
-        </a:effectStyle>
-        <a:effectStyle>
-          <a:effectLst>
-            <a:outerShdw blurRad="40000" dist="23000" dir="5400000" rotWithShape="0">
-              <a:srgbClr val="000000">
-                <a:alpha val="35000"/>
-              </a:srgbClr>
-            </a:outerShdw>
-          </a:effectLst>
-          <a:scene3d>
-            <a:camera prst="orthographicFront">
-              <a:rot lat="0" lon="0" rev="0"/>
-            </a:camera>
-            <a:lightRig rig="threePt" dir="t">
-              <a:rot lat="0" lon="0" rev="1200000"/>
-            </a:lightRig>
-          </a:scene3d>
-          <a:sp3d>
-            <a:bevelT w="63500" h="25400"/>
-          </a:sp3d>
-        </a:effectStyle>
-      </a:effectStyleLst>
-      <a:bgFillStyleLst>
-        <a:solidFill>
-          <a:schemeClr val="phClr"/>
-        </a:solidFill>
-        <a:gradFill rotWithShape="1">
-          <a:gsLst>
-            <a:gs pos="0">
-              <a:schemeClr val="phClr">
-                <a:tint val="40000"/>
-                <a:satMod val="350000"/>
-              </a:schemeClr>
-            </a:gs>
-            <a:gs pos="40000">
-              <a:schemeClr val="phClr">
-                <a:tint val="45000"/>
-                <a:shade val="99000"/>
-                <a:satMod val="350000"/>
-              </a:schemeClr>
-            </a:gs>
-            <a:gs pos="100000">
-              <a:schemeClr val="phClr">
-                <a:shade val="20000"/>
-                <a:satMod val="255000"/>
-              </a:schemeClr>
-            </a:gs>
-          </a:gsLst>
-          <a:path path="circle">
-            <a:fillToRect l="50000" t="-80000" r="50000" b="180000"/>
-          </a:path>
-        </a:gradFill>
-        <a:gradFill rotWithShape="1">
-          <a:gsLst>
-            <a:gs pos="0">
-              <a:schemeClr val="phClr">
-                <a:tint val="80000"/>
-                <a:satMod val="300000"/>
-              </a:schemeClr>
-            </a:gs>
-            <a:gs pos="100000">
-              <a:schemeClr val="phClr">
-                <a:shade val="30000"/>
-                <a:satMod val="200000"/>
-              </a:schemeClr>
-            </a:gs>
-          </a:gsLst>
-          <a:path path="circle">
-            <a:fillToRect l="50000" t="50000" r="50000" b="50000"/>
-          </a:path>
-        </a:gradFill>
-      </a:bgFillStyleLst>
-    </a:fmtScheme>
-  </a:themeElements>
-</a:theme>
 </file>